--- a/Lib_Mng_Storyboard.pptx
+++ b/Lib_Mng_Storyboard.pptx
@@ -308,7 +308,7 @@
           <a:p>
             <a:fld id="{689AC439-8BD1-477F-90E3-4D8A9D5456A2}" type="datetimeFigureOut">
               <a:rPr lang="ko-KR" altLang="en-US" smtClean="0"/>
-              <a:t>2015-07-20</a:t>
+              <a:t>2015-07-25</a:t>
             </a:fld>
             <a:endParaRPr lang="ko-KR" altLang="en-US"/>
           </a:p>
@@ -478,7 +478,7 @@
           <a:p>
             <a:fld id="{689AC439-8BD1-477F-90E3-4D8A9D5456A2}" type="datetimeFigureOut">
               <a:rPr lang="ko-KR" altLang="en-US" smtClean="0"/>
-              <a:t>2015-07-20</a:t>
+              <a:t>2015-07-25</a:t>
             </a:fld>
             <a:endParaRPr lang="ko-KR" altLang="en-US"/>
           </a:p>
@@ -658,7 +658,7 @@
           <a:p>
             <a:fld id="{689AC439-8BD1-477F-90E3-4D8A9D5456A2}" type="datetimeFigureOut">
               <a:rPr lang="ko-KR" altLang="en-US" smtClean="0"/>
-              <a:t>2015-07-20</a:t>
+              <a:t>2015-07-25</a:t>
             </a:fld>
             <a:endParaRPr lang="ko-KR" altLang="en-US"/>
           </a:p>
@@ -828,7 +828,7 @@
           <a:p>
             <a:fld id="{689AC439-8BD1-477F-90E3-4D8A9D5456A2}" type="datetimeFigureOut">
               <a:rPr lang="ko-KR" altLang="en-US" smtClean="0"/>
-              <a:t>2015-07-20</a:t>
+              <a:t>2015-07-25</a:t>
             </a:fld>
             <a:endParaRPr lang="ko-KR" altLang="en-US"/>
           </a:p>
@@ -1074,7 +1074,7 @@
           <a:p>
             <a:fld id="{689AC439-8BD1-477F-90E3-4D8A9D5456A2}" type="datetimeFigureOut">
               <a:rPr lang="ko-KR" altLang="en-US" smtClean="0"/>
-              <a:t>2015-07-20</a:t>
+              <a:t>2015-07-25</a:t>
             </a:fld>
             <a:endParaRPr lang="ko-KR" altLang="en-US"/>
           </a:p>
@@ -1362,7 +1362,7 @@
           <a:p>
             <a:fld id="{689AC439-8BD1-477F-90E3-4D8A9D5456A2}" type="datetimeFigureOut">
               <a:rPr lang="ko-KR" altLang="en-US" smtClean="0"/>
-              <a:t>2015-07-20</a:t>
+              <a:t>2015-07-25</a:t>
             </a:fld>
             <a:endParaRPr lang="ko-KR" altLang="en-US"/>
           </a:p>
@@ -1784,7 +1784,7 @@
           <a:p>
             <a:fld id="{689AC439-8BD1-477F-90E3-4D8A9D5456A2}" type="datetimeFigureOut">
               <a:rPr lang="ko-KR" altLang="en-US" smtClean="0"/>
-              <a:t>2015-07-20</a:t>
+              <a:t>2015-07-25</a:t>
             </a:fld>
             <a:endParaRPr lang="ko-KR" altLang="en-US"/>
           </a:p>
@@ -1902,7 +1902,7 @@
           <a:p>
             <a:fld id="{689AC439-8BD1-477F-90E3-4D8A9D5456A2}" type="datetimeFigureOut">
               <a:rPr lang="ko-KR" altLang="en-US" smtClean="0"/>
-              <a:t>2015-07-20</a:t>
+              <a:t>2015-07-25</a:t>
             </a:fld>
             <a:endParaRPr lang="ko-KR" altLang="en-US"/>
           </a:p>
@@ -1997,7 +1997,7 @@
           <a:p>
             <a:fld id="{689AC439-8BD1-477F-90E3-4D8A9D5456A2}" type="datetimeFigureOut">
               <a:rPr lang="ko-KR" altLang="en-US" smtClean="0"/>
-              <a:t>2015-07-20</a:t>
+              <a:t>2015-07-25</a:t>
             </a:fld>
             <a:endParaRPr lang="ko-KR" altLang="en-US"/>
           </a:p>
@@ -2274,7 +2274,7 @@
           <a:p>
             <a:fld id="{689AC439-8BD1-477F-90E3-4D8A9D5456A2}" type="datetimeFigureOut">
               <a:rPr lang="ko-KR" altLang="en-US" smtClean="0"/>
-              <a:t>2015-07-20</a:t>
+              <a:t>2015-07-25</a:t>
             </a:fld>
             <a:endParaRPr lang="ko-KR" altLang="en-US"/>
           </a:p>
@@ -2527,7 +2527,7 @@
           <a:p>
             <a:fld id="{689AC439-8BD1-477F-90E3-4D8A9D5456A2}" type="datetimeFigureOut">
               <a:rPr lang="ko-KR" altLang="en-US" smtClean="0"/>
-              <a:t>2015-07-20</a:t>
+              <a:t>2015-07-25</a:t>
             </a:fld>
             <a:endParaRPr lang="ko-KR" altLang="en-US"/>
           </a:p>
@@ -2740,7 +2740,7 @@
           <a:p>
             <a:fld id="{689AC439-8BD1-477F-90E3-4D8A9D5456A2}" type="datetimeFigureOut">
               <a:rPr lang="ko-KR" altLang="en-US" smtClean="0"/>
-              <a:t>2015-07-20</a:t>
+              <a:t>2015-07-25</a:t>
             </a:fld>
             <a:endParaRPr lang="ko-KR" altLang="en-US"/>
           </a:p>
@@ -3244,7 +3244,7 @@
         <p:spPr>
           <a:xfrm>
             <a:off x="971600" y="1484784"/>
-            <a:ext cx="2448272" cy="1366397"/>
+            <a:ext cx="2448272" cy="1944216"/>
           </a:xfrm>
           <a:prstGeom prst="rect">
             <a:avLst/>
@@ -3374,31 +3374,28 @@
             </a:r>
             <a:r>
               <a:rPr lang="en-US" altLang="ko-KR" dirty="0" err="1" smtClean="0"/>
-              <a:t>B</a:t>
-            </a:r>
-            <a:r>
-              <a:rPr lang="en-US" altLang="ko-KR" dirty="0" err="1" smtClean="0"/>
-              <a:t>ookCode</a:t>
+              <a:t>BookCode</a:t>
             </a:r>
             <a:r>
               <a:rPr lang="en-US" altLang="ko-KR" dirty="0" smtClean="0"/>
               <a:t>: INTEGER</a:t>
             </a:r>
-            <a:endParaRPr lang="en-US" altLang="ko-KR" dirty="0" smtClean="0"/>
           </a:p>
           <a:p>
             <a:r>
               <a:rPr lang="en-US" altLang="ko-KR" dirty="0" smtClean="0"/>
               <a:t>Title: VARCHAR</a:t>
             </a:r>
-            <a:endParaRPr lang="en-US" altLang="ko-KR" dirty="0" smtClean="0"/>
           </a:p>
           <a:p>
             <a:r>
               <a:rPr lang="en-US" altLang="ko-KR" dirty="0" smtClean="0"/>
-              <a:t>Author: VARCHAR</a:t>
-            </a:r>
-            <a:endParaRPr lang="ko-KR" altLang="en-US" dirty="0"/>
+              <a:t>Author: </a:t>
+            </a:r>
+            <a:r>
+              <a:rPr lang="en-US" altLang="ko-KR" dirty="0" smtClean="0"/>
+              <a:t>VARCHAR</a:t>
+            </a:r>
           </a:p>
         </p:txBody>
       </p:sp>
@@ -3567,28 +3564,18 @@
             </a:r>
             <a:r>
               <a:rPr lang="en-US" altLang="ko-KR" dirty="0" err="1" smtClean="0"/>
-              <a:t>Student</a:t>
-            </a:r>
-            <a:r>
-              <a:rPr lang="en-US" altLang="ko-KR" dirty="0" err="1" smtClean="0"/>
-              <a:t>Code</a:t>
+              <a:t>StudentCode</a:t>
             </a:r>
             <a:r>
               <a:rPr lang="en-US" altLang="ko-KR" dirty="0" smtClean="0"/>
               <a:t>: INTEGER</a:t>
             </a:r>
-            <a:endParaRPr lang="en-US" altLang="ko-KR" dirty="0" smtClean="0"/>
           </a:p>
           <a:p>
             <a:r>
               <a:rPr lang="en-US" altLang="ko-KR" dirty="0" smtClean="0"/>
-              <a:t>Name</a:t>
-            </a:r>
-            <a:r>
-              <a:rPr lang="en-US" altLang="ko-KR" dirty="0" smtClean="0"/>
-              <a:t>: VARCHAR</a:t>
-            </a:r>
-            <a:endParaRPr lang="en-US" altLang="ko-KR" dirty="0" smtClean="0"/>
+              <a:t>Name: VARCHAR</a:t>
+            </a:r>
           </a:p>
           <a:p>
             <a:r>
@@ -3719,7 +3706,7 @@
         <p:spPr>
           <a:xfrm>
             <a:off x="3078980" y="4077072"/>
-            <a:ext cx="2573140" cy="1200329"/>
+            <a:ext cx="2573140" cy="1477328"/>
           </a:xfrm>
           <a:prstGeom prst="rect">
             <a:avLst/>
@@ -3766,11 +3753,7 @@
           <a:p>
             <a:r>
               <a:rPr lang="en-US" altLang="ko-KR" dirty="0" err="1" smtClean="0"/>
-              <a:t>Student</a:t>
-            </a:r>
-            <a:r>
-              <a:rPr lang="en-US" altLang="ko-KR" dirty="0" err="1" smtClean="0"/>
-              <a:t>Code</a:t>
+              <a:t>StudentCode</a:t>
             </a:r>
             <a:r>
               <a:rPr lang="en-US" altLang="ko-KR" dirty="0" smtClean="0"/>
@@ -3784,6 +3767,20 @@
             </a:r>
             <a:r>
               <a:rPr lang="en-US" altLang="ko-KR" dirty="0" smtClean="0"/>
+              <a:t>: </a:t>
+            </a:r>
+            <a:r>
+              <a:rPr lang="en-US" altLang="ko-KR" dirty="0" smtClean="0"/>
+              <a:t>Date</a:t>
+            </a:r>
+          </a:p>
+          <a:p>
+            <a:r>
+              <a:rPr lang="en-US" altLang="ko-KR" dirty="0" err="1" smtClean="0"/>
+              <a:t>ReturnDate</a:t>
+            </a:r>
+            <a:r>
+              <a:rPr lang="en-US" altLang="ko-KR" smtClean="0"/>
               <a:t>: Date</a:t>
             </a:r>
             <a:endParaRPr lang="en-US" altLang="ko-KR" dirty="0" smtClean="0"/>
@@ -3793,15 +3790,13 @@
       <p:cxnSp>
         <p:nvCxnSpPr>
           <p:cNvPr id="21" name="직선 연결선 20"/>
-          <p:cNvCxnSpPr>
-            <a:stCxn id="6" idx="2"/>
-          </p:cNvCxnSpPr>
+          <p:cNvCxnSpPr/>
           <p:nvPr/>
         </p:nvCxnSpPr>
         <p:spPr>
           <a:xfrm>
-            <a:off x="2195736" y="2851181"/>
-            <a:ext cx="0" cy="1600760"/>
+            <a:off x="2195736" y="3429000"/>
+            <a:ext cx="0" cy="1022941"/>
           </a:xfrm>
           <a:prstGeom prst="line">
             <a:avLst/>
